--- a/presentation/presentation.pptx
+++ b/presentation/presentation.pptx
@@ -124,7 +124,7 @@
   </p:defaultTextStyle>
   <p:extLst>
     <p:ext uri="{EFAFB233-063F-42B5-8137-9DF3F51BA10A}">
-      <p15:sldGuideLst xmlns:p15="http://schemas.microsoft.com/office/powerpoint/2012/main" xmlns=""/>
+      <p15:sldGuideLst xmlns="" xmlns:p15="http://schemas.microsoft.com/office/powerpoint/2012/main"/>
     </p:ext>
   </p:extLst>
 </p:presentation>
@@ -2367,7 +2367,7 @@
           <a:p>
             <a:fld id="{CDAC60DA-2793-440E-8E06-74569D261AB0}" type="datetimeFigureOut">
               <a:rPr lang="en-US" smtClean="0"/>
-              <a:t>1/17/2019</a:t>
+              <a:t>1/28/2019</a:t>
             </a:fld>
             <a:endParaRPr lang="en-US"/>
           </a:p>
@@ -2766,7 +2766,7 @@
           <a:p>
             <a:fld id="{0C42161F-9587-43F5-80F0-4BE9E8653018}" type="datetime1">
               <a:rPr lang="en-US" smtClean="0"/>
-              <a:t>1/17/2019</a:t>
+              <a:t>1/28/2019</a:t>
             </a:fld>
             <a:endParaRPr lang="en-US"/>
           </a:p>
@@ -2838,7 +2838,7 @@
   </mc:AlternateContent>
   <p:extLst mod="1">
     <p:ext uri="{DCECCB84-F9BA-43D5-87BE-67443E8EF086}">
-      <p15:sldGuideLst xmlns:p15="http://schemas.microsoft.com/office/powerpoint/2012/main" xmlns=""/>
+      <p15:sldGuideLst xmlns="" xmlns:p15="http://schemas.microsoft.com/office/powerpoint/2012/main"/>
     </p:ext>
   </p:extLst>
 </p:sldLayout>
@@ -2953,7 +2953,7 @@
           <a:p>
             <a:fld id="{12128833-A595-4023-9819-C28BF68D4308}" type="datetime1">
               <a:rPr lang="en-US" smtClean="0"/>
-              <a:t>1/17/2019</a:t>
+              <a:t>1/28/2019</a:t>
             </a:fld>
             <a:endParaRPr lang="en-US"/>
           </a:p>
@@ -3145,7 +3145,7 @@
           <a:p>
             <a:fld id="{C500167E-6D24-4767-86D8-041C5F155966}" type="datetime1">
               <a:rPr lang="en-US" smtClean="0"/>
-              <a:t>1/17/2019</a:t>
+              <a:t>1/28/2019</a:t>
             </a:fld>
             <a:endParaRPr lang="en-US"/>
           </a:p>
@@ -3327,7 +3327,7 @@
           <a:p>
             <a:fld id="{C2CD6180-0747-4396-9F56-A3E3AFB5B799}" type="datetime1">
               <a:rPr lang="en-US" smtClean="0"/>
-              <a:t>1/17/2019</a:t>
+              <a:t>1/28/2019</a:t>
             </a:fld>
             <a:endParaRPr lang="en-US"/>
           </a:p>
@@ -3585,7 +3585,7 @@
           <a:p>
             <a:fld id="{2BD33617-9053-4328-9B80-A5D950C16D88}" type="datetime1">
               <a:rPr lang="en-US" smtClean="0"/>
-              <a:t>1/17/2019</a:t>
+              <a:t>1/28/2019</a:t>
             </a:fld>
             <a:endParaRPr lang="en-US"/>
           </a:p>
@@ -3829,7 +3829,7 @@
           <a:p>
             <a:fld id="{98B1CB2E-7816-4542-A4DB-8EC6426972FD}" type="datetime1">
               <a:rPr lang="en-US" smtClean="0"/>
-              <a:t>1/17/2019</a:t>
+              <a:t>1/28/2019</a:t>
             </a:fld>
             <a:endParaRPr lang="en-US"/>
           </a:p>
@@ -4208,7 +4208,7 @@
           <a:p>
             <a:fld id="{DE0621A7-7F0C-4AD9-B325-02DF1F25FF66}" type="datetime1">
               <a:rPr lang="en-US" smtClean="0"/>
-              <a:t>1/17/2019</a:t>
+              <a:t>1/28/2019</a:t>
             </a:fld>
             <a:endParaRPr lang="en-US"/>
           </a:p>
@@ -4338,7 +4338,7 @@
           <a:p>
             <a:fld id="{BBFCA489-5128-4040-AE92-FE1D41244092}" type="datetime1">
               <a:rPr lang="en-US" smtClean="0"/>
-              <a:t>1/17/2019</a:t>
+              <a:t>1/28/2019</a:t>
             </a:fld>
             <a:endParaRPr lang="en-US"/>
           </a:p>
@@ -4445,7 +4445,7 @@
           <a:p>
             <a:fld id="{C9F27F9B-66AA-473F-BC2B-1FE905113ACA}" type="datetime1">
               <a:rPr lang="en-US" smtClean="0"/>
-              <a:t>1/17/2019</a:t>
+              <a:t>1/28/2019</a:t>
             </a:fld>
             <a:endParaRPr lang="en-US"/>
           </a:p>
@@ -4517,7 +4517,7 @@
   </mc:AlternateContent>
   <p:extLst mod="1">
     <p:ext uri="{DCECCB84-F9BA-43D5-87BE-67443E8EF086}">
-      <p15:sldGuideLst xmlns:p15="http://schemas.microsoft.com/office/powerpoint/2012/main" xmlns=""/>
+      <p15:sldGuideLst xmlns="" xmlns:p15="http://schemas.microsoft.com/office/powerpoint/2012/main"/>
     </p:ext>
   </p:extLst>
 </p:sldLayout>
@@ -4739,7 +4739,7 @@
           <a:p>
             <a:fld id="{6001EC50-18AC-4243-9776-CD9799C5E9B4}" type="datetime1">
               <a:rPr lang="en-US" smtClean="0"/>
-              <a:t>1/17/2019</a:t>
+              <a:t>1/28/2019</a:t>
             </a:fld>
             <a:endParaRPr lang="en-US"/>
           </a:p>
@@ -4811,7 +4811,7 @@
   </mc:AlternateContent>
   <p:extLst mod="1">
     <p:ext uri="{DCECCB84-F9BA-43D5-87BE-67443E8EF086}">
-      <p15:sldGuideLst xmlns:p15="http://schemas.microsoft.com/office/powerpoint/2012/main" xmlns=""/>
+      <p15:sldGuideLst xmlns="" xmlns:p15="http://schemas.microsoft.com/office/powerpoint/2012/main"/>
     </p:ext>
   </p:extLst>
 </p:sldLayout>
@@ -5009,7 +5009,7 @@
           <a:p>
             <a:fld id="{C59EA637-BE2A-42F9-AAE0-BFA5AE97C0FE}" type="datetime1">
               <a:rPr lang="en-US" smtClean="0"/>
-              <a:t>1/17/2019</a:t>
+              <a:t>1/28/2019</a:t>
             </a:fld>
             <a:endParaRPr lang="en-US"/>
           </a:p>
@@ -5237,7 +5237,7 @@
           <a:p>
             <a:fld id="{F2868E6A-2DDA-4078-9A68-8880D8606DF0}" type="datetime1">
               <a:rPr lang="en-US" smtClean="0"/>
-              <a:t>1/17/2019</a:t>
+              <a:t>1/28/2019</a:t>
             </a:fld>
             <a:endParaRPr lang="en-US"/>
           </a:p>
@@ -5637,7 +5637,7 @@
   </p:txStyles>
   <p:extLst mod="1">
     <p:ext uri="{27BBF7A9-308A-43DC-89C8-2F10F3537804}">
-      <p15:sldGuideLst xmlns:p15="http://schemas.microsoft.com/office/powerpoint/2012/main" xmlns=""/>
+      <p15:sldGuideLst xmlns="" xmlns:p15="http://schemas.microsoft.com/office/powerpoint/2012/main"/>
     </p:ext>
   </p:extLst>
 </p:sldMaster>
@@ -8091,7 +8091,7 @@
           <p:cNvPr id="8" name="Rounded Rectangle 7">
             <a:extLst>
               <a:ext uri="{FF2B5EF4-FFF2-40B4-BE49-F238E27FC236}">
-                <a16:creationId xmlns:a16="http://schemas.microsoft.com/office/drawing/2014/main" xmlns="" id="{F916EB90-FC6A-8241-A51B-D402CC8434CA}"/>
+                <a16:creationId xmlns="" xmlns:a16="http://schemas.microsoft.com/office/drawing/2014/main" id="{F916EB90-FC6A-8241-A51B-D402CC8434CA}"/>
               </a:ext>
             </a:extLst>
           </p:cNvPr>
@@ -12002,35 +12002,35 @@
                 <a:gridCol w="1625600">
                   <a:extLst>
                     <a:ext uri="{9D8B030D-6E8A-4147-A177-3AD203B41FA5}">
-                      <a16:colId xmlns:a16="http://schemas.microsoft.com/office/drawing/2014/main" xmlns="" val="1349946611"/>
+                      <a16:colId xmlns="" xmlns:a16="http://schemas.microsoft.com/office/drawing/2014/main" val="1349946611"/>
                     </a:ext>
                   </a:extLst>
                 </a:gridCol>
                 <a:gridCol w="1625600">
                   <a:extLst>
                     <a:ext uri="{9D8B030D-6E8A-4147-A177-3AD203B41FA5}">
-                      <a16:colId xmlns:a16="http://schemas.microsoft.com/office/drawing/2014/main" xmlns="" val="3383270264"/>
+                      <a16:colId xmlns="" xmlns:a16="http://schemas.microsoft.com/office/drawing/2014/main" val="3383270264"/>
                     </a:ext>
                   </a:extLst>
                 </a:gridCol>
                 <a:gridCol w="1625600">
                   <a:extLst>
                     <a:ext uri="{9D8B030D-6E8A-4147-A177-3AD203B41FA5}">
-                      <a16:colId xmlns:a16="http://schemas.microsoft.com/office/drawing/2014/main" xmlns="" val="2039485823"/>
+                      <a16:colId xmlns="" xmlns:a16="http://schemas.microsoft.com/office/drawing/2014/main" val="2039485823"/>
                     </a:ext>
                   </a:extLst>
                 </a:gridCol>
                 <a:gridCol w="1625600">
                   <a:extLst>
                     <a:ext uri="{9D8B030D-6E8A-4147-A177-3AD203B41FA5}">
-                      <a16:colId xmlns:a16="http://schemas.microsoft.com/office/drawing/2014/main" xmlns="" val="1271616421"/>
+                      <a16:colId xmlns="" xmlns:a16="http://schemas.microsoft.com/office/drawing/2014/main" val="1271616421"/>
                     </a:ext>
                   </a:extLst>
                 </a:gridCol>
                 <a:gridCol w="1625600">
                   <a:extLst>
                     <a:ext uri="{9D8B030D-6E8A-4147-A177-3AD203B41FA5}">
-                      <a16:colId xmlns:a16="http://schemas.microsoft.com/office/drawing/2014/main" xmlns="" val="3562561109"/>
+                      <a16:colId xmlns="" xmlns:a16="http://schemas.microsoft.com/office/drawing/2014/main" val="3562561109"/>
                     </a:ext>
                   </a:extLst>
                 </a:gridCol>
@@ -12158,7 +12158,7 @@
                 </a:tc>
                 <a:extLst>
                   <a:ext uri="{0D108BD9-81ED-4DB2-BD59-A6C34878D82A}">
-                    <a16:rowId xmlns:a16="http://schemas.microsoft.com/office/drawing/2014/main" xmlns="" val="4291303290"/>
+                    <a16:rowId xmlns="" xmlns:a16="http://schemas.microsoft.com/office/drawing/2014/main" val="4291303290"/>
                   </a:ext>
                 </a:extLst>
               </a:tr>
@@ -12215,7 +12215,7 @@
                 </a:tc>
                 <a:extLst>
                   <a:ext uri="{0D108BD9-81ED-4DB2-BD59-A6C34878D82A}">
-                    <a16:rowId xmlns:a16="http://schemas.microsoft.com/office/drawing/2014/main" xmlns="" val="64530171"/>
+                    <a16:rowId xmlns="" xmlns:a16="http://schemas.microsoft.com/office/drawing/2014/main" val="64530171"/>
                   </a:ext>
                 </a:extLst>
               </a:tr>
@@ -12297,7 +12297,7 @@
                 </a:tc>
                 <a:extLst>
                   <a:ext uri="{0D108BD9-81ED-4DB2-BD59-A6C34878D82A}">
-                    <a16:rowId xmlns:a16="http://schemas.microsoft.com/office/drawing/2014/main" xmlns="" val="2083312935"/>
+                    <a16:rowId xmlns="" xmlns:a16="http://schemas.microsoft.com/office/drawing/2014/main" val="2083312935"/>
                   </a:ext>
                 </a:extLst>
               </a:tr>
@@ -12409,7 +12409,7 @@
                 </a:tc>
                 <a:extLst>
                   <a:ext uri="{0D108BD9-81ED-4DB2-BD59-A6C34878D82A}">
-                    <a16:rowId xmlns:a16="http://schemas.microsoft.com/office/drawing/2014/main" xmlns="" val="2234912751"/>
+                    <a16:rowId xmlns="" xmlns:a16="http://schemas.microsoft.com/office/drawing/2014/main" val="2234912751"/>
                   </a:ext>
                 </a:extLst>
               </a:tr>
@@ -12491,7 +12491,7 @@
                 </a:tc>
                 <a:extLst>
                   <a:ext uri="{0D108BD9-81ED-4DB2-BD59-A6C34878D82A}">
-                    <a16:rowId xmlns:a16="http://schemas.microsoft.com/office/drawing/2014/main" xmlns="" val="2591476345"/>
+                    <a16:rowId xmlns="" xmlns:a16="http://schemas.microsoft.com/office/drawing/2014/main" val="2591476345"/>
                   </a:ext>
                 </a:extLst>
               </a:tr>
@@ -12577,7 +12577,7 @@
                 </a:tc>
                 <a:extLst>
                   <a:ext uri="{0D108BD9-81ED-4DB2-BD59-A6C34878D82A}">
-                    <a16:rowId xmlns:a16="http://schemas.microsoft.com/office/drawing/2014/main" xmlns="" val="3553643881"/>
+                    <a16:rowId xmlns="" xmlns:a16="http://schemas.microsoft.com/office/drawing/2014/main" val="3553643881"/>
                   </a:ext>
                 </a:extLst>
               </a:tr>
@@ -12659,7 +12659,7 @@
                 </a:tc>
                 <a:extLst>
                   <a:ext uri="{0D108BD9-81ED-4DB2-BD59-A6C34878D82A}">
-                    <a16:rowId xmlns:a16="http://schemas.microsoft.com/office/drawing/2014/main" xmlns="" val="3431413643"/>
+                    <a16:rowId xmlns="" xmlns:a16="http://schemas.microsoft.com/office/drawing/2014/main" val="3431413643"/>
                   </a:ext>
                 </a:extLst>
               </a:tr>
@@ -12741,7 +12741,7 @@
                 </a:tc>
                 <a:extLst>
                   <a:ext uri="{0D108BD9-81ED-4DB2-BD59-A6C34878D82A}">
-                    <a16:rowId xmlns:a16="http://schemas.microsoft.com/office/drawing/2014/main" xmlns="" val="4262397666"/>
+                    <a16:rowId xmlns="" xmlns:a16="http://schemas.microsoft.com/office/drawing/2014/main" val="4262397666"/>
                   </a:ext>
                 </a:extLst>
               </a:tr>
@@ -12823,7 +12823,7 @@
                 </a:tc>
                 <a:extLst>
                   <a:ext uri="{0D108BD9-81ED-4DB2-BD59-A6C34878D82A}">
-                    <a16:rowId xmlns:a16="http://schemas.microsoft.com/office/drawing/2014/main" xmlns="" val="2210586536"/>
+                    <a16:rowId xmlns="" xmlns:a16="http://schemas.microsoft.com/office/drawing/2014/main" val="2210586536"/>
                   </a:ext>
                 </a:extLst>
               </a:tr>
@@ -12905,7 +12905,7 @@
                 </a:tc>
                 <a:extLst>
                   <a:ext uri="{0D108BD9-81ED-4DB2-BD59-A6C34878D82A}">
-                    <a16:rowId xmlns:a16="http://schemas.microsoft.com/office/drawing/2014/main" xmlns="" val="3385976854"/>
+                    <a16:rowId xmlns="" xmlns:a16="http://schemas.microsoft.com/office/drawing/2014/main" val="3385976854"/>
                   </a:ext>
                 </a:extLst>
               </a:tr>
@@ -13294,42 +13294,42 @@
                 <a:gridCol w="1397882">
                   <a:extLst>
                     <a:ext uri="{9D8B030D-6E8A-4147-A177-3AD203B41FA5}">
-                      <a16:colId xmlns:a16="http://schemas.microsoft.com/office/drawing/2014/main" xmlns="" val="1349946611"/>
+                      <a16:colId xmlns="" xmlns:a16="http://schemas.microsoft.com/office/drawing/2014/main" val="1349946611"/>
                     </a:ext>
                   </a:extLst>
                 </a:gridCol>
                 <a:gridCol w="1397882">
                   <a:extLst>
                     <a:ext uri="{9D8B030D-6E8A-4147-A177-3AD203B41FA5}">
-                      <a16:colId xmlns:a16="http://schemas.microsoft.com/office/drawing/2014/main" xmlns="" val="3383270264"/>
+                      <a16:colId xmlns="" xmlns:a16="http://schemas.microsoft.com/office/drawing/2014/main" val="3383270264"/>
                     </a:ext>
                   </a:extLst>
                 </a:gridCol>
                 <a:gridCol w="1397882">
                   <a:extLst>
                     <a:ext uri="{9D8B030D-6E8A-4147-A177-3AD203B41FA5}">
-                      <a16:colId xmlns:a16="http://schemas.microsoft.com/office/drawing/2014/main" xmlns="" val="2039485823"/>
+                      <a16:colId xmlns="" xmlns:a16="http://schemas.microsoft.com/office/drawing/2014/main" val="2039485823"/>
                     </a:ext>
                   </a:extLst>
                 </a:gridCol>
                 <a:gridCol w="1397882">
                   <a:extLst>
                     <a:ext uri="{9D8B030D-6E8A-4147-A177-3AD203B41FA5}">
-                      <a16:colId xmlns:a16="http://schemas.microsoft.com/office/drawing/2014/main" xmlns="" val="1271616421"/>
+                      <a16:colId xmlns="" xmlns:a16="http://schemas.microsoft.com/office/drawing/2014/main" val="1271616421"/>
                     </a:ext>
                   </a:extLst>
                 </a:gridCol>
                 <a:gridCol w="1397882">
                   <a:extLst>
                     <a:ext uri="{9D8B030D-6E8A-4147-A177-3AD203B41FA5}">
-                      <a16:colId xmlns:a16="http://schemas.microsoft.com/office/drawing/2014/main" xmlns="" val="3562561109"/>
+                      <a16:colId xmlns="" xmlns:a16="http://schemas.microsoft.com/office/drawing/2014/main" val="3562561109"/>
                     </a:ext>
                   </a:extLst>
                 </a:gridCol>
                 <a:gridCol w="1397882">
                   <a:extLst>
                     <a:ext uri="{9D8B030D-6E8A-4147-A177-3AD203B41FA5}">
-                      <a16:colId xmlns:a16="http://schemas.microsoft.com/office/drawing/2014/main" xmlns="" val="3216029482"/>
+                      <a16:colId xmlns="" xmlns:a16="http://schemas.microsoft.com/office/drawing/2014/main" val="3216029482"/>
                     </a:ext>
                   </a:extLst>
                 </a:gridCol>
@@ -13562,7 +13562,7 @@
                 </a:tc>
                 <a:extLst>
                   <a:ext uri="{0D108BD9-81ED-4DB2-BD59-A6C34878D82A}">
-                    <a16:rowId xmlns:a16="http://schemas.microsoft.com/office/drawing/2014/main" xmlns="" val="4291303290"/>
+                    <a16:rowId xmlns="" xmlns:a16="http://schemas.microsoft.com/office/drawing/2014/main" val="4291303290"/>
                   </a:ext>
                 </a:extLst>
               </a:tr>
@@ -13629,7 +13629,7 @@
                 </a:tc>
                 <a:extLst>
                   <a:ext uri="{0D108BD9-81ED-4DB2-BD59-A6C34878D82A}">
-                    <a16:rowId xmlns:a16="http://schemas.microsoft.com/office/drawing/2014/main" xmlns="" val="64530171"/>
+                    <a16:rowId xmlns="" xmlns:a16="http://schemas.microsoft.com/office/drawing/2014/main" val="64530171"/>
                   </a:ext>
                 </a:extLst>
               </a:tr>
@@ -13726,7 +13726,7 @@
                 </a:tc>
                 <a:extLst>
                   <a:ext uri="{0D108BD9-81ED-4DB2-BD59-A6C34878D82A}">
-                    <a16:rowId xmlns:a16="http://schemas.microsoft.com/office/drawing/2014/main" xmlns="" val="2083312935"/>
+                    <a16:rowId xmlns="" xmlns:a16="http://schemas.microsoft.com/office/drawing/2014/main" val="2083312935"/>
                   </a:ext>
                 </a:extLst>
               </a:tr>
@@ -13853,7 +13853,7 @@
                 </a:tc>
                 <a:extLst>
                   <a:ext uri="{0D108BD9-81ED-4DB2-BD59-A6C34878D82A}">
-                    <a16:rowId xmlns:a16="http://schemas.microsoft.com/office/drawing/2014/main" xmlns="" val="2234912751"/>
+                    <a16:rowId xmlns="" xmlns:a16="http://schemas.microsoft.com/office/drawing/2014/main" val="2234912751"/>
                   </a:ext>
                 </a:extLst>
               </a:tr>
@@ -13950,7 +13950,7 @@
                 </a:tc>
                 <a:extLst>
                   <a:ext uri="{0D108BD9-81ED-4DB2-BD59-A6C34878D82A}">
-                    <a16:rowId xmlns:a16="http://schemas.microsoft.com/office/drawing/2014/main" xmlns="" val="2591476345"/>
+                    <a16:rowId xmlns="" xmlns:a16="http://schemas.microsoft.com/office/drawing/2014/main" val="2591476345"/>
                   </a:ext>
                 </a:extLst>
               </a:tr>
@@ -14051,7 +14051,7 @@
                 </a:tc>
                 <a:extLst>
                   <a:ext uri="{0D108BD9-81ED-4DB2-BD59-A6C34878D82A}">
-                    <a16:rowId xmlns:a16="http://schemas.microsoft.com/office/drawing/2014/main" xmlns="" val="3553643881"/>
+                    <a16:rowId xmlns="" xmlns:a16="http://schemas.microsoft.com/office/drawing/2014/main" val="3553643881"/>
                   </a:ext>
                 </a:extLst>
               </a:tr>
@@ -14148,7 +14148,7 @@
                 </a:tc>
                 <a:extLst>
                   <a:ext uri="{0D108BD9-81ED-4DB2-BD59-A6C34878D82A}">
-                    <a16:rowId xmlns:a16="http://schemas.microsoft.com/office/drawing/2014/main" xmlns="" val="3431413643"/>
+                    <a16:rowId xmlns="" xmlns:a16="http://schemas.microsoft.com/office/drawing/2014/main" val="3431413643"/>
                   </a:ext>
                 </a:extLst>
               </a:tr>
@@ -14245,7 +14245,7 @@
                 </a:tc>
                 <a:extLst>
                   <a:ext uri="{0D108BD9-81ED-4DB2-BD59-A6C34878D82A}">
-                    <a16:rowId xmlns:a16="http://schemas.microsoft.com/office/drawing/2014/main" xmlns="" val="4262397666"/>
+                    <a16:rowId xmlns="" xmlns:a16="http://schemas.microsoft.com/office/drawing/2014/main" val="4262397666"/>
                   </a:ext>
                 </a:extLst>
               </a:tr>
@@ -14342,7 +14342,7 @@
                 </a:tc>
                 <a:extLst>
                   <a:ext uri="{0D108BD9-81ED-4DB2-BD59-A6C34878D82A}">
-                    <a16:rowId xmlns:a16="http://schemas.microsoft.com/office/drawing/2014/main" xmlns="" val="2210586536"/>
+                    <a16:rowId xmlns="" xmlns:a16="http://schemas.microsoft.com/office/drawing/2014/main" val="2210586536"/>
                   </a:ext>
                 </a:extLst>
               </a:tr>
@@ -14439,7 +14439,7 @@
                 </a:tc>
                 <a:extLst>
                   <a:ext uri="{0D108BD9-81ED-4DB2-BD59-A6C34878D82A}">
-                    <a16:rowId xmlns:a16="http://schemas.microsoft.com/office/drawing/2014/main" xmlns="" val="3385976854"/>
+                    <a16:rowId xmlns="" xmlns:a16="http://schemas.microsoft.com/office/drawing/2014/main" val="3385976854"/>
                   </a:ext>
                 </a:extLst>
               </a:tr>
@@ -17785,9 +17785,9 @@
       </p:graphicFrame>
       <p:pic>
         <p:nvPicPr>
-          <p:cNvPr id="1026" name="Picture 2" descr="Basic Structure"/>
+          <p:cNvPr id="14" name="Picture 13"/>
           <p:cNvPicPr>
-            <a:picLocks noChangeAspect="1" noChangeArrowheads="1"/>
+            <a:picLocks noChangeAspect="1"/>
           </p:cNvPicPr>
           <p:nvPr/>
         </p:nvPicPr>
@@ -17799,64 +17799,20 @@
               </a:ext>
             </a:extLst>
           </a:blip>
-          <a:srcRect/>
           <a:stretch>
             <a:fillRect/>
           </a:stretch>
         </p:blipFill>
-        <p:spPr bwMode="auto">
+        <p:spPr>
           <a:xfrm>
-            <a:off x="4325592" y="923492"/>
-            <a:ext cx="4635528" cy="5361760"/>
+            <a:off x="4597391" y="1501618"/>
+            <a:ext cx="2758679" cy="4252329"/>
           </a:xfrm>
           <a:prstGeom prst="rect">
             <a:avLst/>
           </a:prstGeom>
-          <a:noFill/>
-          <a:extLst>
-            <a:ext uri="{909E8E84-426E-40DD-AFC4-6F175D3DCCD1}">
-              <a14:hiddenFill xmlns:a14="http://schemas.microsoft.com/office/drawing/2010/main">
-                <a:solidFill>
-                  <a:srgbClr val="FFFFFF"/>
-                </a:solidFill>
-              </a14:hiddenFill>
-            </a:ext>
-          </a:extLst>
         </p:spPr>
       </p:pic>
-      <p:sp>
-        <p:nvSpPr>
-          <p:cNvPr id="4" name="TextBox 3"/>
-          <p:cNvSpPr txBox="1"/>
-          <p:nvPr/>
-        </p:nvSpPr>
-        <p:spPr>
-          <a:xfrm>
-            <a:off x="826937" y="6456460"/>
-            <a:ext cx="8757138" cy="307777"/>
-          </a:xfrm>
-          <a:prstGeom prst="rect">
-            <a:avLst/>
-          </a:prstGeom>
-          <a:noFill/>
-        </p:spPr>
-        <p:txBody>
-          <a:bodyPr wrap="square" rtlCol="0">
-            <a:spAutoFit/>
-          </a:bodyPr>
-          <a:lstStyle/>
-          <a:p>
-            <a:r>
-              <a:rPr lang="en-US" sz="1400" dirty="0">
-                <a:solidFill>
-                  <a:schemeClr val="bg1"/>
-                </a:solidFill>
-              </a:rPr>
-              <a:t>https://www.tutorialspoint.com/genetic_algorithms/genetic_algorithms_fundamentals.htm</a:t>
-            </a:r>
-          </a:p>
-        </p:txBody>
-      </p:sp>
     </p:spTree>
     <p:extLst>
       <p:ext uri="{BB962C8B-B14F-4D97-AF65-F5344CB8AC3E}">
@@ -17915,7 +17871,7 @@
                                         <p:tgtEl>
                                           <p:spTgt spid="3">
                                             <p:graphicEl>
-                                              <a:dgm id="{002CCAC0-0000-0000-4C2C-616200000000}"/>
+                                              <a:dgm id="{0045CEF0-0000-0000-4C2C-656500000000}"/>
                                             </p:graphicEl>
                                           </p:spTgt>
                                         </p:tgtEl>
@@ -17933,7 +17889,7 @@
                                         <p:tgtEl>
                                           <p:spTgt spid="3">
                                             <p:graphicEl>
-                                              <a:dgm id="{002CCAC0-0000-0000-4C2C-616200000000}"/>
+                                              <a:dgm id="{0045CEF0-0000-0000-4C2C-656500000000}"/>
                                             </p:graphicEl>
                                           </p:spTgt>
                                         </p:tgtEl>
@@ -18235,7 +18191,7 @@
   <a:extraClrSchemeLst/>
   <a:extLst>
     <a:ext uri="{05A4C25C-085E-4340-85A3-A5531E510DB2}">
-      <thm15:themeFamily xmlns:thm15="http://schemas.microsoft.com/office/thememl/2012/main" xmlns="" name="Office Theme" id="{62F939B6-93AF-4DB8-9C6B-D6C7DFDC589F}" vid="{4A3C46E8-61CC-4603-A589-7422A47A8E4A}"/>
+      <thm15:themeFamily xmlns="" xmlns:thm15="http://schemas.microsoft.com/office/thememl/2012/main" name="Office Theme" id="{62F939B6-93AF-4DB8-9C6B-D6C7DFDC589F}" vid="{4A3C46E8-61CC-4603-A589-7422A47A8E4A}"/>
     </a:ext>
   </a:extLst>
 </a:theme>
@@ -18496,7 +18452,7 @@
   <a:extraClrSchemeLst/>
   <a:extLst>
     <a:ext uri="{05A4C25C-085E-4340-85A3-A5531E510DB2}">
-      <thm15:themeFamily xmlns:thm15="http://schemas.microsoft.com/office/thememl/2012/main" xmlns="" name="Office Theme" id="{62F939B6-93AF-4DB8-9C6B-D6C7DFDC589F}" vid="{4A3C46E8-61CC-4603-A589-7422A47A8E4A}"/>
+      <thm15:themeFamily xmlns="" xmlns:thm15="http://schemas.microsoft.com/office/thememl/2012/main" name="Office Theme" id="{62F939B6-93AF-4DB8-9C6B-D6C7DFDC589F}" vid="{4A3C46E8-61CC-4603-A589-7422A47A8E4A}"/>
     </a:ext>
   </a:extLst>
 </a:theme>

--- a/presentation/presentation.pptx
+++ b/presentation/presentation.pptx
@@ -124,7 +124,7 @@
   </p:defaultTextStyle>
   <p:extLst>
     <p:ext uri="{EFAFB233-063F-42B5-8137-9DF3F51BA10A}">
-      <p15:sldGuideLst xmlns="" xmlns:p15="http://schemas.microsoft.com/office/powerpoint/2012/main"/>
+      <p15:sldGuideLst xmlns:p15="http://schemas.microsoft.com/office/powerpoint/2012/main" xmlns=""/>
     </p:ext>
   </p:extLst>
 </p:presentation>
@@ -2838,7 +2838,7 @@
   </mc:AlternateContent>
   <p:extLst mod="1">
     <p:ext uri="{DCECCB84-F9BA-43D5-87BE-67443E8EF086}">
-      <p15:sldGuideLst xmlns="" xmlns:p15="http://schemas.microsoft.com/office/powerpoint/2012/main"/>
+      <p15:sldGuideLst xmlns:p15="http://schemas.microsoft.com/office/powerpoint/2012/main" xmlns=""/>
     </p:ext>
   </p:extLst>
 </p:sldLayout>
@@ -4517,7 +4517,7 @@
   </mc:AlternateContent>
   <p:extLst mod="1">
     <p:ext uri="{DCECCB84-F9BA-43D5-87BE-67443E8EF086}">
-      <p15:sldGuideLst xmlns="" xmlns:p15="http://schemas.microsoft.com/office/powerpoint/2012/main"/>
+      <p15:sldGuideLst xmlns:p15="http://schemas.microsoft.com/office/powerpoint/2012/main" xmlns=""/>
     </p:ext>
   </p:extLst>
 </p:sldLayout>
@@ -4811,7 +4811,7 @@
   </mc:AlternateContent>
   <p:extLst mod="1">
     <p:ext uri="{DCECCB84-F9BA-43D5-87BE-67443E8EF086}">
-      <p15:sldGuideLst xmlns="" xmlns:p15="http://schemas.microsoft.com/office/powerpoint/2012/main"/>
+      <p15:sldGuideLst xmlns:p15="http://schemas.microsoft.com/office/powerpoint/2012/main" xmlns=""/>
     </p:ext>
   </p:extLst>
 </p:sldLayout>
@@ -5637,7 +5637,7 @@
   </p:txStyles>
   <p:extLst mod="1">
     <p:ext uri="{27BBF7A9-308A-43DC-89C8-2F10F3537804}">
-      <p15:sldGuideLst xmlns="" xmlns:p15="http://schemas.microsoft.com/office/powerpoint/2012/main"/>
+      <p15:sldGuideLst xmlns:p15="http://schemas.microsoft.com/office/powerpoint/2012/main" xmlns=""/>
     </p:ext>
   </p:extLst>
 </p:sldMaster>
@@ -5809,8 +5809,8 @@
         </p:nvSpPr>
         <p:spPr>
           <a:xfrm>
-            <a:off x="9614935" y="5443249"/>
-            <a:ext cx="1725857" cy="1908215"/>
+            <a:off x="9608074" y="5443249"/>
+            <a:ext cx="1739579" cy="2154436"/>
           </a:xfrm>
           <a:prstGeom prst="rect">
             <a:avLst/>
@@ -6145,6 +6145,38 @@
                 </a:effectLst>
               </a:rPr>
               <a:t>Dương</a:t>
+            </a:r>
+            <a:endParaRPr lang="en-US" sz="1600" dirty="0" smtClean="0">
+              <a:ln w="0"/>
+              <a:solidFill>
+                <a:schemeClr val="bg1"/>
+              </a:solidFill>
+              <a:effectLst>
+                <a:outerShdw blurRad="38100" dist="25400" dir="5400000" algn="ctr" rotWithShape="0">
+                  <a:srgbClr val="6E747A">
+                    <a:alpha val="43000"/>
+                  </a:srgbClr>
+                </a:outerShdw>
+              </a:effectLst>
+            </a:endParaRPr>
+          </a:p>
+          <a:p>
+            <a:pPr algn="ctr"/>
+            <a:r>
+              <a:rPr lang="en-US" sz="1600" b="0" cap="none" spc="0" dirty="0" smtClean="0">
+                <a:ln w="0"/>
+                <a:solidFill>
+                  <a:schemeClr val="bg1"/>
+                </a:solidFill>
+                <a:effectLst>
+                  <a:outerShdw blurRad="38100" dist="25400" dir="5400000" algn="ctr" rotWithShape="0">
+                    <a:srgbClr val="6E747A">
+                      <a:alpha val="43000"/>
+                    </a:srgbClr>
+                  </a:outerShdw>
+                </a:effectLst>
+              </a:rPr>
+              <a:t>Group 3</a:t>
             </a:r>
             <a:endParaRPr lang="en-US" sz="1600" b="0" cap="none" spc="0" dirty="0" smtClean="0">
               <a:ln w="0"/>
@@ -8091,7 +8123,7 @@
           <p:cNvPr id="8" name="Rounded Rectangle 7">
             <a:extLst>
               <a:ext uri="{FF2B5EF4-FFF2-40B4-BE49-F238E27FC236}">
-                <a16:creationId xmlns="" xmlns:a16="http://schemas.microsoft.com/office/drawing/2014/main" id="{F916EB90-FC6A-8241-A51B-D402CC8434CA}"/>
+                <a16:creationId xmlns:a16="http://schemas.microsoft.com/office/drawing/2014/main" xmlns="" id="{F916EB90-FC6A-8241-A51B-D402CC8434CA}"/>
               </a:ext>
             </a:extLst>
           </p:cNvPr>
@@ -12002,35 +12034,35 @@
                 <a:gridCol w="1625600">
                   <a:extLst>
                     <a:ext uri="{9D8B030D-6E8A-4147-A177-3AD203B41FA5}">
-                      <a16:colId xmlns="" xmlns:a16="http://schemas.microsoft.com/office/drawing/2014/main" val="1349946611"/>
+                      <a16:colId xmlns:a16="http://schemas.microsoft.com/office/drawing/2014/main" xmlns="" val="1349946611"/>
                     </a:ext>
                   </a:extLst>
                 </a:gridCol>
                 <a:gridCol w="1625600">
                   <a:extLst>
                     <a:ext uri="{9D8B030D-6E8A-4147-A177-3AD203B41FA5}">
-                      <a16:colId xmlns="" xmlns:a16="http://schemas.microsoft.com/office/drawing/2014/main" val="3383270264"/>
+                      <a16:colId xmlns:a16="http://schemas.microsoft.com/office/drawing/2014/main" xmlns="" val="3383270264"/>
                     </a:ext>
                   </a:extLst>
                 </a:gridCol>
                 <a:gridCol w="1625600">
                   <a:extLst>
                     <a:ext uri="{9D8B030D-6E8A-4147-A177-3AD203B41FA5}">
-                      <a16:colId xmlns="" xmlns:a16="http://schemas.microsoft.com/office/drawing/2014/main" val="2039485823"/>
+                      <a16:colId xmlns:a16="http://schemas.microsoft.com/office/drawing/2014/main" xmlns="" val="2039485823"/>
                     </a:ext>
                   </a:extLst>
                 </a:gridCol>
                 <a:gridCol w="1625600">
                   <a:extLst>
                     <a:ext uri="{9D8B030D-6E8A-4147-A177-3AD203B41FA5}">
-                      <a16:colId xmlns="" xmlns:a16="http://schemas.microsoft.com/office/drawing/2014/main" val="1271616421"/>
+                      <a16:colId xmlns:a16="http://schemas.microsoft.com/office/drawing/2014/main" xmlns="" val="1271616421"/>
                     </a:ext>
                   </a:extLst>
                 </a:gridCol>
                 <a:gridCol w="1625600">
                   <a:extLst>
                     <a:ext uri="{9D8B030D-6E8A-4147-A177-3AD203B41FA5}">
-                      <a16:colId xmlns="" xmlns:a16="http://schemas.microsoft.com/office/drawing/2014/main" val="3562561109"/>
+                      <a16:colId xmlns:a16="http://schemas.microsoft.com/office/drawing/2014/main" xmlns="" val="3562561109"/>
                     </a:ext>
                   </a:extLst>
                 </a:gridCol>
@@ -12158,7 +12190,7 @@
                 </a:tc>
                 <a:extLst>
                   <a:ext uri="{0D108BD9-81ED-4DB2-BD59-A6C34878D82A}">
-                    <a16:rowId xmlns="" xmlns:a16="http://schemas.microsoft.com/office/drawing/2014/main" val="4291303290"/>
+                    <a16:rowId xmlns:a16="http://schemas.microsoft.com/office/drawing/2014/main" xmlns="" val="4291303290"/>
                   </a:ext>
                 </a:extLst>
               </a:tr>
@@ -12215,7 +12247,7 @@
                 </a:tc>
                 <a:extLst>
                   <a:ext uri="{0D108BD9-81ED-4DB2-BD59-A6C34878D82A}">
-                    <a16:rowId xmlns="" xmlns:a16="http://schemas.microsoft.com/office/drawing/2014/main" val="64530171"/>
+                    <a16:rowId xmlns:a16="http://schemas.microsoft.com/office/drawing/2014/main" xmlns="" val="64530171"/>
                   </a:ext>
                 </a:extLst>
               </a:tr>
@@ -12297,7 +12329,7 @@
                 </a:tc>
                 <a:extLst>
                   <a:ext uri="{0D108BD9-81ED-4DB2-BD59-A6C34878D82A}">
-                    <a16:rowId xmlns="" xmlns:a16="http://schemas.microsoft.com/office/drawing/2014/main" val="2083312935"/>
+                    <a16:rowId xmlns:a16="http://schemas.microsoft.com/office/drawing/2014/main" xmlns="" val="2083312935"/>
                   </a:ext>
                 </a:extLst>
               </a:tr>
@@ -12409,7 +12441,7 @@
                 </a:tc>
                 <a:extLst>
                   <a:ext uri="{0D108BD9-81ED-4DB2-BD59-A6C34878D82A}">
-                    <a16:rowId xmlns="" xmlns:a16="http://schemas.microsoft.com/office/drawing/2014/main" val="2234912751"/>
+                    <a16:rowId xmlns:a16="http://schemas.microsoft.com/office/drawing/2014/main" xmlns="" val="2234912751"/>
                   </a:ext>
                 </a:extLst>
               </a:tr>
@@ -12491,7 +12523,7 @@
                 </a:tc>
                 <a:extLst>
                   <a:ext uri="{0D108BD9-81ED-4DB2-BD59-A6C34878D82A}">
-                    <a16:rowId xmlns="" xmlns:a16="http://schemas.microsoft.com/office/drawing/2014/main" val="2591476345"/>
+                    <a16:rowId xmlns:a16="http://schemas.microsoft.com/office/drawing/2014/main" xmlns="" val="2591476345"/>
                   </a:ext>
                 </a:extLst>
               </a:tr>
@@ -12577,7 +12609,7 @@
                 </a:tc>
                 <a:extLst>
                   <a:ext uri="{0D108BD9-81ED-4DB2-BD59-A6C34878D82A}">
-                    <a16:rowId xmlns="" xmlns:a16="http://schemas.microsoft.com/office/drawing/2014/main" val="3553643881"/>
+                    <a16:rowId xmlns:a16="http://schemas.microsoft.com/office/drawing/2014/main" xmlns="" val="3553643881"/>
                   </a:ext>
                 </a:extLst>
               </a:tr>
@@ -12659,7 +12691,7 @@
                 </a:tc>
                 <a:extLst>
                   <a:ext uri="{0D108BD9-81ED-4DB2-BD59-A6C34878D82A}">
-                    <a16:rowId xmlns="" xmlns:a16="http://schemas.microsoft.com/office/drawing/2014/main" val="3431413643"/>
+                    <a16:rowId xmlns:a16="http://schemas.microsoft.com/office/drawing/2014/main" xmlns="" val="3431413643"/>
                   </a:ext>
                 </a:extLst>
               </a:tr>
@@ -12741,7 +12773,7 @@
                 </a:tc>
                 <a:extLst>
                   <a:ext uri="{0D108BD9-81ED-4DB2-BD59-A6C34878D82A}">
-                    <a16:rowId xmlns="" xmlns:a16="http://schemas.microsoft.com/office/drawing/2014/main" val="4262397666"/>
+                    <a16:rowId xmlns:a16="http://schemas.microsoft.com/office/drawing/2014/main" xmlns="" val="4262397666"/>
                   </a:ext>
                 </a:extLst>
               </a:tr>
@@ -12823,7 +12855,7 @@
                 </a:tc>
                 <a:extLst>
                   <a:ext uri="{0D108BD9-81ED-4DB2-BD59-A6C34878D82A}">
-                    <a16:rowId xmlns="" xmlns:a16="http://schemas.microsoft.com/office/drawing/2014/main" val="2210586536"/>
+                    <a16:rowId xmlns:a16="http://schemas.microsoft.com/office/drawing/2014/main" xmlns="" val="2210586536"/>
                   </a:ext>
                 </a:extLst>
               </a:tr>
@@ -12905,7 +12937,7 @@
                 </a:tc>
                 <a:extLst>
                   <a:ext uri="{0D108BD9-81ED-4DB2-BD59-A6C34878D82A}">
-                    <a16:rowId xmlns="" xmlns:a16="http://schemas.microsoft.com/office/drawing/2014/main" val="3385976854"/>
+                    <a16:rowId xmlns:a16="http://schemas.microsoft.com/office/drawing/2014/main" xmlns="" val="3385976854"/>
                   </a:ext>
                 </a:extLst>
               </a:tr>
@@ -13294,42 +13326,42 @@
                 <a:gridCol w="1397882">
                   <a:extLst>
                     <a:ext uri="{9D8B030D-6E8A-4147-A177-3AD203B41FA5}">
-                      <a16:colId xmlns="" xmlns:a16="http://schemas.microsoft.com/office/drawing/2014/main" val="1349946611"/>
+                      <a16:colId xmlns:a16="http://schemas.microsoft.com/office/drawing/2014/main" xmlns="" val="1349946611"/>
                     </a:ext>
                   </a:extLst>
                 </a:gridCol>
                 <a:gridCol w="1397882">
                   <a:extLst>
                     <a:ext uri="{9D8B030D-6E8A-4147-A177-3AD203B41FA5}">
-                      <a16:colId xmlns="" xmlns:a16="http://schemas.microsoft.com/office/drawing/2014/main" val="3383270264"/>
+                      <a16:colId xmlns:a16="http://schemas.microsoft.com/office/drawing/2014/main" xmlns="" val="3383270264"/>
                     </a:ext>
                   </a:extLst>
                 </a:gridCol>
                 <a:gridCol w="1397882">
                   <a:extLst>
                     <a:ext uri="{9D8B030D-6E8A-4147-A177-3AD203B41FA5}">
-                      <a16:colId xmlns="" xmlns:a16="http://schemas.microsoft.com/office/drawing/2014/main" val="2039485823"/>
+                      <a16:colId xmlns:a16="http://schemas.microsoft.com/office/drawing/2014/main" xmlns="" val="2039485823"/>
                     </a:ext>
                   </a:extLst>
                 </a:gridCol>
                 <a:gridCol w="1397882">
                   <a:extLst>
                     <a:ext uri="{9D8B030D-6E8A-4147-A177-3AD203B41FA5}">
-                      <a16:colId xmlns="" xmlns:a16="http://schemas.microsoft.com/office/drawing/2014/main" val="1271616421"/>
+                      <a16:colId xmlns:a16="http://schemas.microsoft.com/office/drawing/2014/main" xmlns="" val="1271616421"/>
                     </a:ext>
                   </a:extLst>
                 </a:gridCol>
                 <a:gridCol w="1397882">
                   <a:extLst>
                     <a:ext uri="{9D8B030D-6E8A-4147-A177-3AD203B41FA5}">
-                      <a16:colId xmlns="" xmlns:a16="http://schemas.microsoft.com/office/drawing/2014/main" val="3562561109"/>
+                      <a16:colId xmlns:a16="http://schemas.microsoft.com/office/drawing/2014/main" xmlns="" val="3562561109"/>
                     </a:ext>
                   </a:extLst>
                 </a:gridCol>
                 <a:gridCol w="1397882">
                   <a:extLst>
                     <a:ext uri="{9D8B030D-6E8A-4147-A177-3AD203B41FA5}">
-                      <a16:colId xmlns="" xmlns:a16="http://schemas.microsoft.com/office/drawing/2014/main" val="3216029482"/>
+                      <a16:colId xmlns:a16="http://schemas.microsoft.com/office/drawing/2014/main" xmlns="" val="3216029482"/>
                     </a:ext>
                   </a:extLst>
                 </a:gridCol>
@@ -13562,7 +13594,7 @@
                 </a:tc>
                 <a:extLst>
                   <a:ext uri="{0D108BD9-81ED-4DB2-BD59-A6C34878D82A}">
-                    <a16:rowId xmlns="" xmlns:a16="http://schemas.microsoft.com/office/drawing/2014/main" val="4291303290"/>
+                    <a16:rowId xmlns:a16="http://schemas.microsoft.com/office/drawing/2014/main" xmlns="" val="4291303290"/>
                   </a:ext>
                 </a:extLst>
               </a:tr>
@@ -13629,7 +13661,7 @@
                 </a:tc>
                 <a:extLst>
                   <a:ext uri="{0D108BD9-81ED-4DB2-BD59-A6C34878D82A}">
-                    <a16:rowId xmlns="" xmlns:a16="http://schemas.microsoft.com/office/drawing/2014/main" val="64530171"/>
+                    <a16:rowId xmlns:a16="http://schemas.microsoft.com/office/drawing/2014/main" xmlns="" val="64530171"/>
                   </a:ext>
                 </a:extLst>
               </a:tr>
@@ -13726,7 +13758,7 @@
                 </a:tc>
                 <a:extLst>
                   <a:ext uri="{0D108BD9-81ED-4DB2-BD59-A6C34878D82A}">
-                    <a16:rowId xmlns="" xmlns:a16="http://schemas.microsoft.com/office/drawing/2014/main" val="2083312935"/>
+                    <a16:rowId xmlns:a16="http://schemas.microsoft.com/office/drawing/2014/main" xmlns="" val="2083312935"/>
                   </a:ext>
                 </a:extLst>
               </a:tr>
@@ -13853,7 +13885,7 @@
                 </a:tc>
                 <a:extLst>
                   <a:ext uri="{0D108BD9-81ED-4DB2-BD59-A6C34878D82A}">
-                    <a16:rowId xmlns="" xmlns:a16="http://schemas.microsoft.com/office/drawing/2014/main" val="2234912751"/>
+                    <a16:rowId xmlns:a16="http://schemas.microsoft.com/office/drawing/2014/main" xmlns="" val="2234912751"/>
                   </a:ext>
                 </a:extLst>
               </a:tr>
@@ -13950,7 +13982,7 @@
                 </a:tc>
                 <a:extLst>
                   <a:ext uri="{0D108BD9-81ED-4DB2-BD59-A6C34878D82A}">
-                    <a16:rowId xmlns="" xmlns:a16="http://schemas.microsoft.com/office/drawing/2014/main" val="2591476345"/>
+                    <a16:rowId xmlns:a16="http://schemas.microsoft.com/office/drawing/2014/main" xmlns="" val="2591476345"/>
                   </a:ext>
                 </a:extLst>
               </a:tr>
@@ -14051,7 +14083,7 @@
                 </a:tc>
                 <a:extLst>
                   <a:ext uri="{0D108BD9-81ED-4DB2-BD59-A6C34878D82A}">
-                    <a16:rowId xmlns="" xmlns:a16="http://schemas.microsoft.com/office/drawing/2014/main" val="3553643881"/>
+                    <a16:rowId xmlns:a16="http://schemas.microsoft.com/office/drawing/2014/main" xmlns="" val="3553643881"/>
                   </a:ext>
                 </a:extLst>
               </a:tr>
@@ -14148,7 +14180,7 @@
                 </a:tc>
                 <a:extLst>
                   <a:ext uri="{0D108BD9-81ED-4DB2-BD59-A6C34878D82A}">
-                    <a16:rowId xmlns="" xmlns:a16="http://schemas.microsoft.com/office/drawing/2014/main" val="3431413643"/>
+                    <a16:rowId xmlns:a16="http://schemas.microsoft.com/office/drawing/2014/main" xmlns="" val="3431413643"/>
                   </a:ext>
                 </a:extLst>
               </a:tr>
@@ -14245,7 +14277,7 @@
                 </a:tc>
                 <a:extLst>
                   <a:ext uri="{0D108BD9-81ED-4DB2-BD59-A6C34878D82A}">
-                    <a16:rowId xmlns="" xmlns:a16="http://schemas.microsoft.com/office/drawing/2014/main" val="4262397666"/>
+                    <a16:rowId xmlns:a16="http://schemas.microsoft.com/office/drawing/2014/main" xmlns="" val="4262397666"/>
                   </a:ext>
                 </a:extLst>
               </a:tr>
@@ -14342,7 +14374,7 @@
                 </a:tc>
                 <a:extLst>
                   <a:ext uri="{0D108BD9-81ED-4DB2-BD59-A6C34878D82A}">
-                    <a16:rowId xmlns="" xmlns:a16="http://schemas.microsoft.com/office/drawing/2014/main" val="2210586536"/>
+                    <a16:rowId xmlns:a16="http://schemas.microsoft.com/office/drawing/2014/main" xmlns="" val="2210586536"/>
                   </a:ext>
                 </a:extLst>
               </a:tr>
@@ -14439,7 +14471,7 @@
                 </a:tc>
                 <a:extLst>
                   <a:ext uri="{0D108BD9-81ED-4DB2-BD59-A6C34878D82A}">
-                    <a16:rowId xmlns="" xmlns:a16="http://schemas.microsoft.com/office/drawing/2014/main" val="3385976854"/>
+                    <a16:rowId xmlns:a16="http://schemas.microsoft.com/office/drawing/2014/main" xmlns="" val="3385976854"/>
                   </a:ext>
                 </a:extLst>
               </a:tr>
@@ -17871,7 +17903,7 @@
                                         <p:tgtEl>
                                           <p:spTgt spid="3">
                                             <p:graphicEl>
-                                              <a:dgm id="{0045CEF0-0000-0000-4C2C-656500000000}"/>
+                                              <a:dgm id="{00DAD1E0-0000-0000-4C2C-506800000000}"/>
                                             </p:graphicEl>
                                           </p:spTgt>
                                         </p:tgtEl>
@@ -17889,7 +17921,7 @@
                                         <p:tgtEl>
                                           <p:spTgt spid="3">
                                             <p:graphicEl>
-                                              <a:dgm id="{0045CEF0-0000-0000-4C2C-656500000000}"/>
+                                              <a:dgm id="{00DAD1E0-0000-0000-4C2C-506800000000}"/>
                                             </p:graphicEl>
                                           </p:spTgt>
                                         </p:tgtEl>
@@ -18191,7 +18223,7 @@
   <a:extraClrSchemeLst/>
   <a:extLst>
     <a:ext uri="{05A4C25C-085E-4340-85A3-A5531E510DB2}">
-      <thm15:themeFamily xmlns="" xmlns:thm15="http://schemas.microsoft.com/office/thememl/2012/main" name="Office Theme" id="{62F939B6-93AF-4DB8-9C6B-D6C7DFDC589F}" vid="{4A3C46E8-61CC-4603-A589-7422A47A8E4A}"/>
+      <thm15:themeFamily xmlns:thm15="http://schemas.microsoft.com/office/thememl/2012/main" xmlns="" name="Office Theme" id="{62F939B6-93AF-4DB8-9C6B-D6C7DFDC589F}" vid="{4A3C46E8-61CC-4603-A589-7422A47A8E4A}"/>
     </a:ext>
   </a:extLst>
 </a:theme>
@@ -18452,7 +18484,7 @@
   <a:extraClrSchemeLst/>
   <a:extLst>
     <a:ext uri="{05A4C25C-085E-4340-85A3-A5531E510DB2}">
-      <thm15:themeFamily xmlns="" xmlns:thm15="http://schemas.microsoft.com/office/thememl/2012/main" name="Office Theme" id="{62F939B6-93AF-4DB8-9C6B-D6C7DFDC589F}" vid="{4A3C46E8-61CC-4603-A589-7422A47A8E4A}"/>
+      <thm15:themeFamily xmlns:thm15="http://schemas.microsoft.com/office/thememl/2012/main" xmlns="" name="Office Theme" id="{62F939B6-93AF-4DB8-9C6B-D6C7DFDC589F}" vid="{4A3C46E8-61CC-4603-A589-7422A47A8E4A}"/>
     </a:ext>
   </a:extLst>
 </a:theme>
